--- a/BS_Microsoft Cognitive Services and Custom Vision.pptx
+++ b/BS_Microsoft Cognitive Services and Custom Vision.pptx
@@ -312,7 +312,7 @@
           <a:p>
             <a:fld id="{3F8CC5F6-1166-4C12-8FE9-047842D69697}" type="datetime1">
               <a:rPr lang="de-DE" smtClean="0"/>
-              <a:t>16.03.2019</a:t>
+              <a:t>18.03.2019</a:t>
             </a:fld>
             <a:endParaRPr lang="de-DE"/>
           </a:p>
@@ -478,7 +478,7 @@
           <a:p>
             <a:fld id="{E4B785BA-47C0-4307-AA95-0EDA93C7ECC5}" type="datetime1">
               <a:rPr lang="de-DE" smtClean="0"/>
-              <a:t>16.03.2019</a:t>
+              <a:t>18.03.2019</a:t>
             </a:fld>
             <a:endParaRPr lang="de-DE"/>
           </a:p>
@@ -788,7 +788,7 @@
           <a:graphicData uri="http://schemas.openxmlformats.org/presentationml/2006/ole">
             <mc:AlternateContent xmlns:mc="http://schemas.openxmlformats.org/markup-compatibility/2006">
               <mc:Choice xmlns:v="urn:schemas-microsoft-com:vml" Requires="v">
-                <p:oleObj spid="_x0000_s2515286" name="think-cell Folie" r:id="rId4" imgW="270" imgH="270" progId="TCLayout.ActiveDocument.1">
+                <p:oleObj spid="_x0000_s2515291" name="think-cell Folie" r:id="rId4" imgW="270" imgH="270" progId="TCLayout.ActiveDocument.1">
                   <p:embed/>
                 </p:oleObj>
               </mc:Choice>
@@ -1034,7 +1034,7 @@
           <a:graphicData uri="http://schemas.openxmlformats.org/presentationml/2006/ole">
             <mc:AlternateContent xmlns:mc="http://schemas.openxmlformats.org/markup-compatibility/2006">
               <mc:Choice xmlns:v="urn:schemas-microsoft-com:vml" Requires="v">
-                <p:oleObj spid="_x0000_s2452980" name="think-cell Folie" r:id="rId4" imgW="270" imgH="270" progId="TCLayout.ActiveDocument.1">
+                <p:oleObj spid="_x0000_s2452985" name="think-cell Folie" r:id="rId4" imgW="270" imgH="270" progId="TCLayout.ActiveDocument.1">
                   <p:embed/>
                 </p:oleObj>
               </mc:Choice>
@@ -1351,7 +1351,7 @@
           <a:graphicData uri="http://schemas.openxmlformats.org/presentationml/2006/ole">
             <mc:AlternateContent xmlns:mc="http://schemas.openxmlformats.org/markup-compatibility/2006">
               <mc:Choice xmlns:v="urn:schemas-microsoft-com:vml" Requires="v">
-                <p:oleObj spid="_x0000_s2682948" name="think-cell Folie" r:id="rId6" imgW="270" imgH="270" progId="TCLayout.ActiveDocument.1">
+                <p:oleObj spid="_x0000_s2682953" name="think-cell Folie" r:id="rId6" imgW="270" imgH="270" progId="TCLayout.ActiveDocument.1">
                   <p:embed/>
                 </p:oleObj>
               </mc:Choice>
@@ -3755,6 +3755,36 @@
           </a:p>
         </p:txBody>
       </p:sp>
+      <p:pic>
+        <p:nvPicPr>
+          <p:cNvPr id="4" name="Imagen 3">
+            <a:extLst>
+              <a:ext uri="{FF2B5EF4-FFF2-40B4-BE49-F238E27FC236}">
+                <a16:creationId xmlns:a16="http://schemas.microsoft.com/office/drawing/2014/main" id="{8BAEAB55-935F-4647-9FD1-1AE76AD844BC}"/>
+              </a:ext>
+            </a:extLst>
+          </p:cNvPr>
+          <p:cNvPicPr>
+            <a:picLocks noChangeAspect="1"/>
+          </p:cNvPicPr>
+          <p:nvPr/>
+        </p:nvPicPr>
+        <p:blipFill>
+          <a:blip r:embed="rId2"/>
+          <a:stretch>
+            <a:fillRect/>
+          </a:stretch>
+        </p:blipFill>
+        <p:spPr>
+          <a:xfrm>
+            <a:off x="4471987" y="1840113"/>
+            <a:ext cx="4163006" cy="2610214"/>
+          </a:xfrm>
+          <a:prstGeom prst="rect">
+            <a:avLst/>
+          </a:prstGeom>
+        </p:spPr>
+      </p:pic>
     </p:spTree>
     <p:extLst>
       <p:ext uri="{BB962C8B-B14F-4D97-AF65-F5344CB8AC3E}">
@@ -5685,8 +5715,8 @@
         </p:nvSpPr>
         <p:spPr>
           <a:xfrm>
-            <a:off x="463621" y="1415845"/>
-            <a:ext cx="8016732" cy="4236075"/>
+            <a:off x="463621" y="1305483"/>
+            <a:ext cx="8016732" cy="4645996"/>
           </a:xfrm>
           <a:prstGeom prst="rect">
             <a:avLst/>
@@ -5833,8 +5863,28 @@
           </a:lstStyle>
           <a:p>
             <a:r>
+              <a:rPr lang="en-US" sz="2000" b="1" dirty="0"/>
+              <a:t>Computer Vision</a:t>
+            </a:r>
+            <a:r>
               <a:rPr lang="en-US" sz="2000" dirty="0"/>
-              <a:t>Azure Custom Vision is a cognitive service that lets you build, deploy and improve your own image classifiers. An image classifier is an AI service that applies labels (which represent </a:t>
+              <a:t>: advanced algorithms that process images and return information.</a:t>
+            </a:r>
+          </a:p>
+          <a:p>
+            <a:r>
+              <a:rPr lang="en-US" sz="2000" b="1" dirty="0"/>
+              <a:t>Custom Vision</a:t>
+            </a:r>
+            <a:r>
+              <a:rPr lang="en-US" sz="2000" dirty="0"/>
+              <a:t> is a cognitive service that lets you build, deploy and improve your own image classifiers without code. </a:t>
+            </a:r>
+          </a:p>
+          <a:p>
+            <a:r>
+              <a:rPr lang="en-US" sz="2000" dirty="0"/>
+              <a:t>An image classifier is an AI service that applies labels (which represent </a:t>
             </a:r>
             <a:r>
               <a:rPr lang="en-US" sz="2000" i="1" dirty="0"/>
@@ -5842,17 +5892,13 @@
             </a:r>
             <a:r>
               <a:rPr lang="en-US" sz="2000" dirty="0"/>
-              <a:t>) to images, according to their visual characteristics. Unlike the </a:t>
-            </a:r>
-            <a:r>
-              <a:rPr lang="en-US" sz="2000" u="sng" dirty="0">
-                <a:hlinkClick r:id="rId3"/>
-              </a:rPr>
-              <a:t>Computer Vision</a:t>
-            </a:r>
+              <a:t>) to images, according to their visual characteristics. </a:t>
+            </a:r>
+          </a:p>
+          <a:p>
             <a:r>
               <a:rPr lang="en-US" sz="2000" dirty="0"/>
-              <a:t> service, Custom Vision allows you to determine the labels to apply.</a:t>
+              <a:t>Unlike the Computer Vision service, Custom Vision allows you to determine the labels to apply.</a:t>
             </a:r>
           </a:p>
           <a:p>
